--- a/Modul Präsentation.pptx
+++ b/Modul Präsentation.pptx
@@ -11,8 +11,9 @@
     <p:sldId id="258" r:id="rId8"/>
     <p:sldId id="261" r:id="rId9"/>
     <p:sldId id="262" r:id="rId10"/>
-    <p:sldId id="264" r:id="rId11"/>
-    <p:sldId id="263" r:id="rId12"/>
+    <p:sldId id="265" r:id="rId11"/>
+    <p:sldId id="264" r:id="rId12"/>
+    <p:sldId id="263" r:id="rId13"/>
   </p:sldIdLst>
   <p:sldSz cx="12192000" cy="6858000"/>
   <p:notesSz cx="6858000" cy="9144000"/>
@@ -250,7 +251,7 @@
           <a:p>
             <a:fld id="{52DDFEA3-AA80-4113-9FE1-18997E4E830F}" type="datetimeFigureOut">
               <a:rPr lang="en-CH" smtClean="0"/>
-              <a:t>10/27/2020</a:t>
+              <a:t>10/28/2020</a:t>
             </a:fld>
             <a:endParaRPr lang="en-CH"/>
           </a:p>
@@ -420,7 +421,7 @@
           <a:p>
             <a:fld id="{52DDFEA3-AA80-4113-9FE1-18997E4E830F}" type="datetimeFigureOut">
               <a:rPr lang="en-CH" smtClean="0"/>
-              <a:t>10/27/2020</a:t>
+              <a:t>10/28/2020</a:t>
             </a:fld>
             <a:endParaRPr lang="en-CH"/>
           </a:p>
@@ -600,7 +601,7 @@
           <a:p>
             <a:fld id="{52DDFEA3-AA80-4113-9FE1-18997E4E830F}" type="datetimeFigureOut">
               <a:rPr lang="en-CH" smtClean="0"/>
-              <a:t>10/27/2020</a:t>
+              <a:t>10/28/2020</a:t>
             </a:fld>
             <a:endParaRPr lang="en-CH"/>
           </a:p>
@@ -770,7 +771,7 @@
           <a:p>
             <a:fld id="{52DDFEA3-AA80-4113-9FE1-18997E4E830F}" type="datetimeFigureOut">
               <a:rPr lang="en-CH" smtClean="0"/>
-              <a:t>10/27/2020</a:t>
+              <a:t>10/28/2020</a:t>
             </a:fld>
             <a:endParaRPr lang="en-CH"/>
           </a:p>
@@ -1016,7 +1017,7 @@
           <a:p>
             <a:fld id="{52DDFEA3-AA80-4113-9FE1-18997E4E830F}" type="datetimeFigureOut">
               <a:rPr lang="en-CH" smtClean="0"/>
-              <a:t>10/27/2020</a:t>
+              <a:t>10/28/2020</a:t>
             </a:fld>
             <a:endParaRPr lang="en-CH"/>
           </a:p>
@@ -1248,7 +1249,7 @@
           <a:p>
             <a:fld id="{52DDFEA3-AA80-4113-9FE1-18997E4E830F}" type="datetimeFigureOut">
               <a:rPr lang="en-CH" smtClean="0"/>
-              <a:t>10/27/2020</a:t>
+              <a:t>10/28/2020</a:t>
             </a:fld>
             <a:endParaRPr lang="en-CH"/>
           </a:p>
@@ -1615,7 +1616,7 @@
           <a:p>
             <a:fld id="{52DDFEA3-AA80-4113-9FE1-18997E4E830F}" type="datetimeFigureOut">
               <a:rPr lang="en-CH" smtClean="0"/>
-              <a:t>10/27/2020</a:t>
+              <a:t>10/28/2020</a:t>
             </a:fld>
             <a:endParaRPr lang="en-CH"/>
           </a:p>
@@ -1733,7 +1734,7 @@
           <a:p>
             <a:fld id="{52DDFEA3-AA80-4113-9FE1-18997E4E830F}" type="datetimeFigureOut">
               <a:rPr lang="en-CH" smtClean="0"/>
-              <a:t>10/27/2020</a:t>
+              <a:t>10/28/2020</a:t>
             </a:fld>
             <a:endParaRPr lang="en-CH"/>
           </a:p>
@@ -1828,7 +1829,7 @@
           <a:p>
             <a:fld id="{52DDFEA3-AA80-4113-9FE1-18997E4E830F}" type="datetimeFigureOut">
               <a:rPr lang="en-CH" smtClean="0"/>
-              <a:t>10/27/2020</a:t>
+              <a:t>10/28/2020</a:t>
             </a:fld>
             <a:endParaRPr lang="en-CH"/>
           </a:p>
@@ -2105,7 +2106,7 @@
           <a:p>
             <a:fld id="{52DDFEA3-AA80-4113-9FE1-18997E4E830F}" type="datetimeFigureOut">
               <a:rPr lang="en-CH" smtClean="0"/>
-              <a:t>10/27/2020</a:t>
+              <a:t>10/28/2020</a:t>
             </a:fld>
             <a:endParaRPr lang="en-CH"/>
           </a:p>
@@ -2362,7 +2363,7 @@
           <a:p>
             <a:fld id="{52DDFEA3-AA80-4113-9FE1-18997E4E830F}" type="datetimeFigureOut">
               <a:rPr lang="en-CH" smtClean="0"/>
-              <a:t>10/27/2020</a:t>
+              <a:t>10/28/2020</a:t>
             </a:fld>
             <a:endParaRPr lang="en-CH"/>
           </a:p>
@@ -2575,7 +2576,7 @@
           <a:p>
             <a:fld id="{52DDFEA3-AA80-4113-9FE1-18997E4E830F}" type="datetimeFigureOut">
               <a:rPr lang="en-CH" smtClean="0"/>
-              <a:t>10/27/2020</a:t>
+              <a:t>10/28/2020</a:t>
             </a:fld>
             <a:endParaRPr lang="en-CH"/>
           </a:p>
@@ -3398,8 +3399,8 @@
         </p:nvSpPr>
         <p:spPr>
           <a:xfrm>
-            <a:off x="688743" y="1153571"/>
-            <a:ext cx="3200400" cy="4461163"/>
+            <a:off x="131733" y="1845600"/>
+            <a:ext cx="3903806" cy="1219758"/>
           </a:xfrm>
         </p:spPr>
         <p:txBody>
@@ -3409,7 +3410,7 @@
           <a:lstStyle/>
           <a:p>
             <a:r>
-              <a:rPr lang="en-US" sz="2800">
+              <a:rPr lang="en-US" sz="3600" dirty="0" err="1">
                 <a:solidFill>
                   <a:srgbClr val="FFFFFF"/>
                 </a:solidFill>
@@ -3418,7 +3419,7 @@
               </a:rPr>
               <a:t>Inhaltsverzeichnis</a:t>
             </a:r>
-            <a:endParaRPr lang="en-CH" sz="2800">
+            <a:endParaRPr lang="en-CH" sz="3600" dirty="0">
               <a:solidFill>
                 <a:srgbClr val="FFFFFF"/>
               </a:solidFill>
@@ -3522,7 +3523,7 @@
               <a:buAutoNum type="arabicPeriod"/>
             </a:pPr>
             <a:r>
-              <a:rPr lang="de-CH" dirty="0"/>
+              <a:rPr lang="de-CH" sz="3200" dirty="0"/>
               <a:t>Themen suche	</a:t>
             </a:r>
           </a:p>
@@ -3532,8 +3533,8 @@
               <a:buAutoNum type="arabicPeriod"/>
             </a:pPr>
             <a:r>
-              <a:rPr lang="de-CH" dirty="0"/>
-              <a:t>Team Vorstellung</a:t>
+              <a:rPr lang="de-CH" sz="3200" dirty="0"/>
+              <a:t>Team Vorstellung	</a:t>
             </a:r>
           </a:p>
           <a:p>
@@ -3542,8 +3543,8 @@
               <a:buAutoNum type="arabicPeriod"/>
             </a:pPr>
             <a:r>
-              <a:rPr lang="de-CH" dirty="0"/>
-              <a:t> Inhalt	</a:t>
+              <a:rPr lang="de-CH" sz="3200" dirty="0"/>
+              <a:t> Bootstrap	 </a:t>
             </a:r>
           </a:p>
           <a:p>
@@ -3552,8 +3553,8 @@
               <a:buAutoNum type="arabicPeriod"/>
             </a:pPr>
             <a:r>
-              <a:rPr lang="de-CH" dirty="0"/>
-              <a:t> Bootstrap	 </a:t>
+              <a:rPr lang="de-CH" sz="3200" dirty="0"/>
+              <a:t>Webseite zeigen				 </a:t>
             </a:r>
           </a:p>
           <a:p>
@@ -3562,20 +3563,10 @@
               <a:buAutoNum type="arabicPeriod"/>
             </a:pPr>
             <a:r>
-              <a:rPr lang="de-CH" dirty="0"/>
-              <a:t>Webseite zeigen				 </a:t>
-            </a:r>
-          </a:p>
-          <a:p>
-            <a:pPr marL="514350" indent="-514350">
-              <a:buFont typeface="+mj-lt"/>
-              <a:buAutoNum type="arabicPeriod"/>
-            </a:pPr>
-            <a:r>
-              <a:rPr lang="de-CH" dirty="0"/>
+              <a:rPr lang="de-CH" sz="3200" dirty="0"/>
               <a:t>Schlusswort</a:t>
             </a:r>
-            <a:endParaRPr lang="en-CH" dirty="0"/>
+            <a:endParaRPr lang="en-CH" sz="3200" dirty="0"/>
           </a:p>
         </p:txBody>
       </p:sp>
@@ -3988,39 +3979,39 @@
               <a:buNone/>
             </a:pPr>
             <a:r>
-              <a:rPr lang="en-US" sz="2600" b="1"/>
+              <a:rPr lang="en-US" sz="2600" b="1" dirty="0"/>
               <a:t>Das </a:t>
             </a:r>
             <a:r>
-              <a:rPr lang="en-US" sz="2600" b="1" err="1"/>
+              <a:rPr lang="en-US" sz="2600" b="1" dirty="0" err="1"/>
               <a:t>waren</a:t>
             </a:r>
             <a:r>
-              <a:rPr lang="en-US" sz="2600" b="1"/>
+              <a:rPr lang="en-US" sz="2600" b="1" dirty="0"/>
               <a:t> </a:t>
             </a:r>
             <a:r>
-              <a:rPr lang="en-US" sz="2600" b="1" err="1"/>
+              <a:rPr lang="en-US" sz="2600" b="1" dirty="0" err="1"/>
               <a:t>unsere</a:t>
             </a:r>
             <a:r>
-              <a:rPr lang="en-US" sz="2600" b="1"/>
+              <a:rPr lang="en-US" sz="2600" b="1" dirty="0"/>
               <a:t> Ideen </a:t>
             </a:r>
             <a:r>
-              <a:rPr lang="en-US" sz="2600" b="1" err="1"/>
+              <a:rPr lang="en-US" sz="2600" b="1" dirty="0" err="1"/>
               <a:t>für</a:t>
             </a:r>
             <a:r>
-              <a:rPr lang="en-US" sz="2600" b="1"/>
+              <a:rPr lang="en-US" sz="2600" b="1" dirty="0"/>
               <a:t> das </a:t>
             </a:r>
             <a:r>
-              <a:rPr lang="en-US" sz="2600" b="1" err="1"/>
+              <a:rPr lang="en-US" sz="2600" b="1" dirty="0" err="1"/>
               <a:t>Projekt</a:t>
             </a:r>
             <a:r>
-              <a:rPr lang="en-US" sz="2600" b="1"/>
+              <a:rPr lang="en-US" sz="2600" b="1" dirty="0"/>
               <a:t>:</a:t>
             </a:r>
           </a:p>
@@ -4030,18 +4021,18 @@
               <a:buAutoNum type="arabicPeriod"/>
             </a:pPr>
             <a:r>
-              <a:rPr lang="en-US" sz="2600" err="1"/>
+              <a:rPr lang="en-US" sz="2600" dirty="0" err="1"/>
               <a:t>Webseite</a:t>
             </a:r>
             <a:r>
-              <a:rPr lang="en-US" sz="2600"/>
+              <a:rPr lang="en-US" sz="2600" dirty="0"/>
               <a:t> </a:t>
             </a:r>
             <a:r>
-              <a:rPr lang="en-US" sz="2600" err="1"/>
+              <a:rPr lang="en-US" sz="2600" dirty="0" err="1"/>
               <a:t>erstellen</a:t>
             </a:r>
-            <a:endParaRPr lang="en-US" sz="2600"/>
+            <a:endParaRPr lang="en-US" sz="2600" dirty="0"/>
           </a:p>
           <a:p>
             <a:pPr marL="514350" indent="-514350">
@@ -4049,7 +4040,7 @@
               <a:buAutoNum type="arabicPeriod"/>
             </a:pPr>
             <a:r>
-              <a:rPr lang="en-US" sz="2600"/>
+              <a:rPr lang="en-US" sz="2600" dirty="0"/>
               <a:t>Raspberry PI</a:t>
             </a:r>
           </a:p>
@@ -4059,7 +4050,7 @@
               <a:buAutoNum type="arabicPeriod"/>
             </a:pPr>
             <a:r>
-              <a:rPr lang="en-US" sz="2600"/>
+              <a:rPr lang="en-US" sz="2600" dirty="0"/>
               <a:t>Windows Server</a:t>
             </a:r>
           </a:p>
@@ -4069,14 +4060,14 @@
               <a:buAutoNum type="arabicPeriod"/>
             </a:pPr>
             <a:r>
-              <a:rPr lang="en-US" sz="2600"/>
+              <a:rPr lang="en-US" sz="2600" dirty="0"/>
               <a:t>PC </a:t>
             </a:r>
             <a:r>
-              <a:rPr lang="en-US" sz="2600" err="1"/>
+              <a:rPr lang="en-US" sz="2600" dirty="0" err="1"/>
               <a:t>Zusammenbauen</a:t>
             </a:r>
-            <a:endParaRPr lang="en-US" sz="2600"/>
+            <a:endParaRPr lang="en-US" sz="2600" dirty="0"/>
           </a:p>
           <a:p>
             <a:pPr marL="514350" indent="-514350">
@@ -4084,22 +4075,22 @@
               <a:buAutoNum type="arabicPeriod"/>
             </a:pPr>
             <a:r>
-              <a:rPr lang="en-US" sz="2600"/>
+              <a:rPr lang="en-US" sz="2600" dirty="0"/>
               <a:t>Video </a:t>
             </a:r>
             <a:r>
-              <a:rPr lang="en-US" sz="2600" err="1"/>
+              <a:rPr lang="en-US" sz="2600" dirty="0" err="1"/>
               <a:t>bearbeitungs</a:t>
             </a:r>
             <a:r>
-              <a:rPr lang="en-US" sz="2600"/>
+              <a:rPr lang="en-US" sz="2600" dirty="0"/>
               <a:t> </a:t>
             </a:r>
             <a:r>
-              <a:rPr lang="en-US" sz="2600" err="1"/>
+              <a:rPr lang="en-US" sz="2600" dirty="0" err="1"/>
               <a:t>erklärung</a:t>
             </a:r>
-            <a:endParaRPr lang="en-US" sz="2600"/>
+            <a:endParaRPr lang="en-US" sz="2600" dirty="0"/>
           </a:p>
           <a:p>
             <a:pPr marL="514350" indent="-514350">
@@ -4107,26 +4098,26 @@
               <a:buAutoNum type="arabicPeriod"/>
             </a:pPr>
             <a:r>
-              <a:rPr lang="en-US" sz="2600" err="1"/>
+              <a:rPr lang="en-US" sz="2600" dirty="0" err="1"/>
               <a:t>Broschüre</a:t>
             </a:r>
             <a:r>
-              <a:rPr lang="en-US" sz="2600"/>
+              <a:rPr lang="en-US" sz="2600" dirty="0"/>
               <a:t> </a:t>
             </a:r>
             <a:r>
-              <a:rPr lang="en-US" sz="2600" err="1"/>
+              <a:rPr lang="en-US" sz="2600" dirty="0" err="1"/>
               <a:t>über</a:t>
             </a:r>
             <a:r>
-              <a:rPr lang="en-US" sz="2600"/>
+              <a:rPr lang="en-US" sz="2600" dirty="0"/>
               <a:t> PC-</a:t>
             </a:r>
             <a:r>
-              <a:rPr lang="en-US" sz="2600" err="1"/>
+              <a:rPr lang="en-US" sz="2600" dirty="0" err="1"/>
               <a:t>Komponenten</a:t>
             </a:r>
-            <a:endParaRPr lang="en-US" sz="2600"/>
+            <a:endParaRPr lang="en-US" sz="2600" dirty="0"/>
           </a:p>
           <a:p>
             <a:pPr marL="514350" indent="-514350">
@@ -4134,18 +4125,18 @@
               <a:buAutoNum type="arabicPeriod"/>
             </a:pPr>
             <a:r>
-              <a:rPr lang="en-US" sz="2600"/>
+              <a:rPr lang="en-US" sz="2600" dirty="0"/>
               <a:t>Linux, Wie </a:t>
             </a:r>
             <a:r>
-              <a:rPr lang="en-US" sz="2600" err="1"/>
+              <a:rPr lang="en-US" sz="2600" dirty="0" err="1"/>
               <a:t>funktioniert</a:t>
             </a:r>
             <a:r>
-              <a:rPr lang="en-US" sz="2600"/>
+              <a:rPr lang="en-US" sz="2600" dirty="0"/>
               <a:t> es?</a:t>
             </a:r>
-            <a:endParaRPr lang="en-CH" sz="2600"/>
+            <a:endParaRPr lang="en-CH" sz="2600" dirty="0"/>
           </a:p>
         </p:txBody>
       </p:sp>
@@ -4537,7 +4528,7 @@
         </p:nvSpPr>
         <p:spPr>
           <a:xfrm>
-            <a:off x="8890000" y="952500"/>
+            <a:off x="8734231" y="952500"/>
             <a:ext cx="2740346" cy="4826000"/>
           </a:xfrm>
           <a:prstGeom prst="rect">
@@ -4929,8 +4920,8 @@
         </p:nvSpPr>
         <p:spPr>
           <a:xfrm>
-            <a:off x="2204663" y="3429000"/>
-            <a:ext cx="3271463" cy="2407327"/>
+            <a:off x="3373133" y="3726951"/>
+            <a:ext cx="5445732" cy="1523144"/>
           </a:xfrm>
         </p:spPr>
         <p:txBody>
@@ -4938,13 +4929,13 @@
           <a:lstStyle/>
           <a:p>
             <a:r>
-              <a:rPr lang="de-CH" dirty="0"/>
+              <a:rPr lang="de-CH" sz="3600" dirty="0"/>
               <a:t>Free + Open Source</a:t>
             </a:r>
           </a:p>
           <a:p>
             <a:r>
-              <a:rPr lang="de-CH" dirty="0"/>
+              <a:rPr lang="de-CH" sz="3600" dirty="0"/>
               <a:t>CSS + JavaScript</a:t>
             </a:r>
           </a:p>
@@ -4981,225 +4972,14 @@
         </p:blipFill>
         <p:spPr>
           <a:xfrm>
-            <a:off x="2204663" y="242727"/>
-            <a:ext cx="7620000" cy="2857500"/>
+            <a:off x="1820238" y="222179"/>
+            <a:ext cx="8551523" cy="3206821"/>
           </a:xfrm>
           <a:prstGeom prst="rect">
             <a:avLst/>
           </a:prstGeom>
         </p:spPr>
       </p:pic>
-      <p:sp>
-        <p:nvSpPr>
-          <p:cNvPr id="4" name="Inhaltsplatzhalter 2">
-            <a:extLst>
-              <a:ext uri="{FF2B5EF4-FFF2-40B4-BE49-F238E27FC236}">
-                <a16:creationId xmlns:a16="http://schemas.microsoft.com/office/drawing/2014/main" id="{D6646C47-8CAC-4EB8-9921-EA6A87A4618F}"/>
-              </a:ext>
-            </a:extLst>
-          </p:cNvPr>
-          <p:cNvSpPr txBox="1">
-            <a:spLocks/>
-          </p:cNvSpPr>
-          <p:nvPr/>
-        </p:nvSpPr>
-        <p:spPr>
-          <a:xfrm>
-            <a:off x="6400800" y="3429000"/>
-            <a:ext cx="3423863" cy="2407327"/>
-          </a:xfrm>
-          <a:prstGeom prst="rect">
-            <a:avLst/>
-          </a:prstGeom>
-        </p:spPr>
-        <p:txBody>
-          <a:bodyPr vert="horz" lIns="91440" tIns="45720" rIns="91440" bIns="45720" rtlCol="0">
-            <a:normAutofit/>
-          </a:bodyPr>
-          <a:lstStyle>
-            <a:lvl1pPr marL="228600" indent="-228600" algn="l" defTabSz="914400" rtl="0" eaLnBrk="1" latinLnBrk="0" hangingPunct="1">
-              <a:lnSpc>
-                <a:spcPct val="90000"/>
-              </a:lnSpc>
-              <a:spcBef>
-                <a:spcPts val="1000"/>
-              </a:spcBef>
-              <a:buFont typeface="Arial" panose="020B0604020202020204" pitchFamily="34" charset="0"/>
-              <a:buChar char="•"/>
-              <a:defRPr sz="2800" kern="1200">
-                <a:solidFill>
-                  <a:schemeClr val="tx1"/>
-                </a:solidFill>
-                <a:latin typeface="+mn-lt"/>
-                <a:ea typeface="+mn-ea"/>
-                <a:cs typeface="+mn-cs"/>
-              </a:defRPr>
-            </a:lvl1pPr>
-            <a:lvl2pPr marL="685800" indent="-228600" algn="l" defTabSz="914400" rtl="0" eaLnBrk="1" latinLnBrk="0" hangingPunct="1">
-              <a:lnSpc>
-                <a:spcPct val="90000"/>
-              </a:lnSpc>
-              <a:spcBef>
-                <a:spcPts val="500"/>
-              </a:spcBef>
-              <a:buFont typeface="Arial" panose="020B0604020202020204" pitchFamily="34" charset="0"/>
-              <a:buChar char="•"/>
-              <a:defRPr sz="2400" kern="1200">
-                <a:solidFill>
-                  <a:schemeClr val="tx1"/>
-                </a:solidFill>
-                <a:latin typeface="+mn-lt"/>
-                <a:ea typeface="+mn-ea"/>
-                <a:cs typeface="+mn-cs"/>
-              </a:defRPr>
-            </a:lvl2pPr>
-            <a:lvl3pPr marL="1143000" indent="-228600" algn="l" defTabSz="914400" rtl="0" eaLnBrk="1" latinLnBrk="0" hangingPunct="1">
-              <a:lnSpc>
-                <a:spcPct val="90000"/>
-              </a:lnSpc>
-              <a:spcBef>
-                <a:spcPts val="500"/>
-              </a:spcBef>
-              <a:buFont typeface="Arial" panose="020B0604020202020204" pitchFamily="34" charset="0"/>
-              <a:buChar char="•"/>
-              <a:defRPr sz="2000" kern="1200">
-                <a:solidFill>
-                  <a:schemeClr val="tx1"/>
-                </a:solidFill>
-                <a:latin typeface="+mn-lt"/>
-                <a:ea typeface="+mn-ea"/>
-                <a:cs typeface="+mn-cs"/>
-              </a:defRPr>
-            </a:lvl3pPr>
-            <a:lvl4pPr marL="1600200" indent="-228600" algn="l" defTabSz="914400" rtl="0" eaLnBrk="1" latinLnBrk="0" hangingPunct="1">
-              <a:lnSpc>
-                <a:spcPct val="90000"/>
-              </a:lnSpc>
-              <a:spcBef>
-                <a:spcPts val="500"/>
-              </a:spcBef>
-              <a:buFont typeface="Arial" panose="020B0604020202020204" pitchFamily="34" charset="0"/>
-              <a:buChar char="•"/>
-              <a:defRPr sz="1800" kern="1200">
-                <a:solidFill>
-                  <a:schemeClr val="tx1"/>
-                </a:solidFill>
-                <a:latin typeface="+mn-lt"/>
-                <a:ea typeface="+mn-ea"/>
-                <a:cs typeface="+mn-cs"/>
-              </a:defRPr>
-            </a:lvl4pPr>
-            <a:lvl5pPr marL="2057400" indent="-228600" algn="l" defTabSz="914400" rtl="0" eaLnBrk="1" latinLnBrk="0" hangingPunct="1">
-              <a:lnSpc>
-                <a:spcPct val="90000"/>
-              </a:lnSpc>
-              <a:spcBef>
-                <a:spcPts val="500"/>
-              </a:spcBef>
-              <a:buFont typeface="Arial" panose="020B0604020202020204" pitchFamily="34" charset="0"/>
-              <a:buChar char="•"/>
-              <a:defRPr sz="1800" kern="1200">
-                <a:solidFill>
-                  <a:schemeClr val="tx1"/>
-                </a:solidFill>
-                <a:latin typeface="+mn-lt"/>
-                <a:ea typeface="+mn-ea"/>
-                <a:cs typeface="+mn-cs"/>
-              </a:defRPr>
-            </a:lvl5pPr>
-            <a:lvl6pPr marL="2514600" indent="-228600" algn="l" defTabSz="914400" rtl="0" eaLnBrk="1" latinLnBrk="0" hangingPunct="1">
-              <a:lnSpc>
-                <a:spcPct val="90000"/>
-              </a:lnSpc>
-              <a:spcBef>
-                <a:spcPts val="500"/>
-              </a:spcBef>
-              <a:buFont typeface="Arial" panose="020B0604020202020204" pitchFamily="34" charset="0"/>
-              <a:buChar char="•"/>
-              <a:defRPr sz="1800" kern="1200">
-                <a:solidFill>
-                  <a:schemeClr val="tx1"/>
-                </a:solidFill>
-                <a:latin typeface="+mn-lt"/>
-                <a:ea typeface="+mn-ea"/>
-                <a:cs typeface="+mn-cs"/>
-              </a:defRPr>
-            </a:lvl6pPr>
-            <a:lvl7pPr marL="2971800" indent="-228600" algn="l" defTabSz="914400" rtl="0" eaLnBrk="1" latinLnBrk="0" hangingPunct="1">
-              <a:lnSpc>
-                <a:spcPct val="90000"/>
-              </a:lnSpc>
-              <a:spcBef>
-                <a:spcPts val="500"/>
-              </a:spcBef>
-              <a:buFont typeface="Arial" panose="020B0604020202020204" pitchFamily="34" charset="0"/>
-              <a:buChar char="•"/>
-              <a:defRPr sz="1800" kern="1200">
-                <a:solidFill>
-                  <a:schemeClr val="tx1"/>
-                </a:solidFill>
-                <a:latin typeface="+mn-lt"/>
-                <a:ea typeface="+mn-ea"/>
-                <a:cs typeface="+mn-cs"/>
-              </a:defRPr>
-            </a:lvl7pPr>
-            <a:lvl8pPr marL="3429000" indent="-228600" algn="l" defTabSz="914400" rtl="0" eaLnBrk="1" latinLnBrk="0" hangingPunct="1">
-              <a:lnSpc>
-                <a:spcPct val="90000"/>
-              </a:lnSpc>
-              <a:spcBef>
-                <a:spcPts val="500"/>
-              </a:spcBef>
-              <a:buFont typeface="Arial" panose="020B0604020202020204" pitchFamily="34" charset="0"/>
-              <a:buChar char="•"/>
-              <a:defRPr sz="1800" kern="1200">
-                <a:solidFill>
-                  <a:schemeClr val="tx1"/>
-                </a:solidFill>
-                <a:latin typeface="+mn-lt"/>
-                <a:ea typeface="+mn-ea"/>
-                <a:cs typeface="+mn-cs"/>
-              </a:defRPr>
-            </a:lvl8pPr>
-            <a:lvl9pPr marL="3886200" indent="-228600" algn="l" defTabSz="914400" rtl="0" eaLnBrk="1" latinLnBrk="0" hangingPunct="1">
-              <a:lnSpc>
-                <a:spcPct val="90000"/>
-              </a:lnSpc>
-              <a:spcBef>
-                <a:spcPts val="500"/>
-              </a:spcBef>
-              <a:buFont typeface="Arial" panose="020B0604020202020204" pitchFamily="34" charset="0"/>
-              <a:buChar char="•"/>
-              <a:defRPr sz="1800" kern="1200">
-                <a:solidFill>
-                  <a:schemeClr val="tx1"/>
-                </a:solidFill>
-                <a:latin typeface="+mn-lt"/>
-                <a:ea typeface="+mn-ea"/>
-                <a:cs typeface="+mn-cs"/>
-              </a:defRPr>
-            </a:lvl9pPr>
-          </a:lstStyle>
-          <a:p>
-            <a:r>
-              <a:rPr lang="de-CH" dirty="0"/>
-              <a:t>Vorlage Homepage</a:t>
-            </a:r>
-          </a:p>
-          <a:p>
-            <a:r>
-              <a:rPr lang="de-CH" dirty="0"/>
-              <a:t>Vorlage Unterseiten</a:t>
-            </a:r>
-          </a:p>
-          <a:p>
-            <a:endParaRPr lang="de-CH" dirty="0"/>
-          </a:p>
-          <a:p>
-            <a:endParaRPr lang="de-CH" dirty="0"/>
-          </a:p>
-        </p:txBody>
-      </p:sp>
     </p:spTree>
     <p:extLst>
       <p:ext uri="{BB962C8B-B14F-4D97-AF65-F5344CB8AC3E}">
@@ -5224,7 +5004,7 @@
           </a:blip>
           <a:srcRect/>
           <a:stretch>
-            <a:fillRect l="-14000" r="-14000"/>
+            <a:fillRect r="-5000"/>
           </a:stretch>
         </a:blipFill>
         <a:effectLst/>
@@ -5260,6 +5040,14 @@
 <file path=ppt/slides/slide7.xml><?xml version="1.0" encoding="utf-8"?>
 <p:sld xmlns:a="http://schemas.openxmlformats.org/drawingml/2006/main" xmlns:r="http://schemas.openxmlformats.org/officeDocument/2006/relationships" xmlns:p="http://schemas.openxmlformats.org/presentationml/2006/main">
   <p:cSld>
+    <p:bg>
+      <p:bgPr>
+        <a:solidFill>
+          <a:schemeClr val="bg1"/>
+        </a:solidFill>
+        <a:effectLst/>
+      </p:bgPr>
+    </p:bg>
     <p:spTree>
       <p:nvGrpSpPr>
         <p:cNvPr id="1" name=""/>
@@ -5274,6 +5062,105 @@
           <a:chExt cx="0" cy="0"/>
         </a:xfrm>
       </p:grpSpPr>
+      <p:pic>
+        <p:nvPicPr>
+          <p:cNvPr id="7" name="Grafik 6">
+            <a:extLst>
+              <a:ext uri="{FF2B5EF4-FFF2-40B4-BE49-F238E27FC236}">
+                <a16:creationId xmlns:a16="http://schemas.microsoft.com/office/drawing/2014/main" id="{4D736B13-BCAD-46E4-B8FF-FA20BE1F5702}"/>
+              </a:ext>
+            </a:extLst>
+          </p:cNvPr>
+          <p:cNvPicPr>
+            <a:picLocks noChangeAspect="1"/>
+          </p:cNvPicPr>
+          <p:nvPr/>
+        </p:nvPicPr>
+        <p:blipFill>
+          <a:blip r:embed="rId2"/>
+          <a:stretch>
+            <a:fillRect/>
+          </a:stretch>
+        </p:blipFill>
+        <p:spPr>
+          <a:xfrm>
+            <a:off x="5856198" y="311616"/>
+            <a:ext cx="5959083" cy="6340031"/>
+          </a:xfrm>
+          <a:prstGeom prst="rect">
+            <a:avLst/>
+          </a:prstGeom>
+        </p:spPr>
+      </p:pic>
+      <p:sp>
+        <p:nvSpPr>
+          <p:cNvPr id="8" name="Content Placeholder 2">
+            <a:extLst>
+              <a:ext uri="{FF2B5EF4-FFF2-40B4-BE49-F238E27FC236}">
+                <a16:creationId xmlns:a16="http://schemas.microsoft.com/office/drawing/2014/main" id="{D418C536-70AF-454C-B21D-F84E3D66E29B}"/>
+              </a:ext>
+            </a:extLst>
+          </p:cNvPr>
+          <p:cNvSpPr>
+            <a:spLocks noGrp="1"/>
+          </p:cNvSpPr>
+          <p:nvPr>
+            <p:ph idx="1"/>
+          </p:nvPr>
+        </p:nvSpPr>
+        <p:spPr>
+          <a:xfrm>
+            <a:off x="1477753" y="333034"/>
+            <a:ext cx="4178300" cy="763106"/>
+          </a:xfrm>
+        </p:spPr>
+        <p:txBody>
+          <a:bodyPr wrap="square" anchor="t">
+            <a:normAutofit/>
+          </a:bodyPr>
+          <a:lstStyle/>
+          <a:p>
+            <a:pPr marL="0" indent="0" algn="ctr">
+              <a:buNone/>
+            </a:pPr>
+            <a:r>
+              <a:rPr lang="de-CH" sz="3600" b="1" dirty="0"/>
+              <a:t>SQL Datenbank</a:t>
+            </a:r>
+            <a:endParaRPr lang="en-CH" sz="3600" b="1" dirty="0"/>
+          </a:p>
+        </p:txBody>
+      </p:sp>
+    </p:spTree>
+    <p:extLst>
+      <p:ext uri="{BB962C8B-B14F-4D97-AF65-F5344CB8AC3E}">
+        <p14:creationId xmlns:p14="http://schemas.microsoft.com/office/powerpoint/2010/main" val="592932270"/>
+      </p:ext>
+    </p:extLst>
+  </p:cSld>
+  <p:clrMapOvr>
+    <a:masterClrMapping/>
+  </p:clrMapOvr>
+</p:sld>
+</file>
+
+<file path=ppt/slides/slide8.xml><?xml version="1.0" encoding="utf-8"?>
+<p:sld xmlns:a="http://schemas.openxmlformats.org/drawingml/2006/main" xmlns:r="http://schemas.openxmlformats.org/officeDocument/2006/relationships" xmlns:p="http://schemas.openxmlformats.org/presentationml/2006/main">
+  <p:cSld>
+    <p:spTree>
+      <p:nvGrpSpPr>
+        <p:cNvPr id="1" name=""/>
+        <p:cNvGrpSpPr/>
+        <p:nvPr/>
+      </p:nvGrpSpPr>
+      <p:grpSpPr>
+        <a:xfrm>
+          <a:off x="0" y="0"/>
+          <a:ext cx="0" cy="0"/>
+          <a:chOff x="0" y="0"/>
+          <a:chExt cx="0" cy="0"/>
+        </a:xfrm>
+      </p:grpSpPr>
       <p:sp>
         <p:nvSpPr>
           <p:cNvPr id="2" name="Titel 1">
@@ -5323,7 +5210,22 @@
           <a:bodyPr/>
           <a:lstStyle/>
           <a:p>
-            <a:endParaRPr lang="de-CH"/>
+            <a:r>
+              <a:rPr lang="de-CH" dirty="0"/>
+              <a:t>Neu gelerntes</a:t>
+            </a:r>
+          </a:p>
+          <a:p>
+            <a:endParaRPr lang="de-CH" dirty="0"/>
+          </a:p>
+          <a:p>
+            <a:endParaRPr lang="de-CH" dirty="0"/>
+          </a:p>
+          <a:p>
+            <a:r>
+              <a:rPr lang="de-CH" dirty="0"/>
+              <a:t>Das nächste mal ändern? </a:t>
+            </a:r>
           </a:p>
         </p:txBody>
       </p:sp>
@@ -5340,7 +5242,7 @@
 </p:sld>
 </file>
 
-<file path=ppt/slides/slide8.xml><?xml version="1.0" encoding="utf-8"?>
+<file path=ppt/slides/slide9.xml><?xml version="1.0" encoding="utf-8"?>
 <p:sld xmlns:a="http://schemas.openxmlformats.org/drawingml/2006/main" xmlns:r="http://schemas.openxmlformats.org/officeDocument/2006/relationships" xmlns:p="http://schemas.openxmlformats.org/presentationml/2006/main">
   <p:cSld>
     <p:bg>

--- a/Modul Präsentation.pptx
+++ b/Modul Präsentation.pptx
@@ -4,6 +4,9 @@
   <p:sldMasterIdLst>
     <p:sldMasterId id="2147483660" r:id="rId4"/>
   </p:sldMasterIdLst>
+  <p:notesMasterIdLst>
+    <p:notesMasterId r:id="rId14"/>
+  </p:notesMasterIdLst>
   <p:sldIdLst>
     <p:sldId id="256" r:id="rId5"/>
     <p:sldId id="257" r:id="rId6"/>
@@ -120,6 +123,440 @@
 </p:presentation>
 </file>
 
+<file path=ppt/notesMasters/notesMaster1.xml><?xml version="1.0" encoding="utf-8"?>
+<p:notesMaster xmlns:a="http://schemas.openxmlformats.org/drawingml/2006/main" xmlns:r="http://schemas.openxmlformats.org/officeDocument/2006/relationships" xmlns:p="http://schemas.openxmlformats.org/presentationml/2006/main">
+  <p:cSld>
+    <p:bg>
+      <p:bgRef idx="1001">
+        <a:schemeClr val="bg1"/>
+      </p:bgRef>
+    </p:bg>
+    <p:spTree>
+      <p:nvGrpSpPr>
+        <p:cNvPr id="1" name=""/>
+        <p:cNvGrpSpPr/>
+        <p:nvPr/>
+      </p:nvGrpSpPr>
+      <p:grpSpPr>
+        <a:xfrm>
+          <a:off x="0" y="0"/>
+          <a:ext cx="0" cy="0"/>
+          <a:chOff x="0" y="0"/>
+          <a:chExt cx="0" cy="0"/>
+        </a:xfrm>
+      </p:grpSpPr>
+      <p:sp>
+        <p:nvSpPr>
+          <p:cNvPr id="2" name="Kopfzeilenplatzhalter 1"/>
+          <p:cNvSpPr>
+            <a:spLocks noGrp="1"/>
+          </p:cNvSpPr>
+          <p:nvPr>
+            <p:ph type="hdr" sz="quarter"/>
+          </p:nvPr>
+        </p:nvSpPr>
+        <p:spPr>
+          <a:xfrm>
+            <a:off x="0" y="0"/>
+            <a:ext cx="2971800" cy="458788"/>
+          </a:xfrm>
+          <a:prstGeom prst="rect">
+            <a:avLst/>
+          </a:prstGeom>
+        </p:spPr>
+        <p:txBody>
+          <a:bodyPr vert="horz" lIns="91440" tIns="45720" rIns="91440" bIns="45720" rtlCol="0"/>
+          <a:lstStyle>
+            <a:lvl1pPr algn="l">
+              <a:defRPr sz="1200"/>
+            </a:lvl1pPr>
+          </a:lstStyle>
+          <a:p>
+            <a:endParaRPr lang="de-CH"/>
+          </a:p>
+        </p:txBody>
+      </p:sp>
+      <p:sp>
+        <p:nvSpPr>
+          <p:cNvPr id="3" name="Datumsplatzhalter 2"/>
+          <p:cNvSpPr>
+            <a:spLocks noGrp="1"/>
+          </p:cNvSpPr>
+          <p:nvPr>
+            <p:ph type="dt" idx="1"/>
+          </p:nvPr>
+        </p:nvSpPr>
+        <p:spPr>
+          <a:xfrm>
+            <a:off x="3884613" y="0"/>
+            <a:ext cx="2971800" cy="458788"/>
+          </a:xfrm>
+          <a:prstGeom prst="rect">
+            <a:avLst/>
+          </a:prstGeom>
+        </p:spPr>
+        <p:txBody>
+          <a:bodyPr vert="horz" lIns="91440" tIns="45720" rIns="91440" bIns="45720" rtlCol="0"/>
+          <a:lstStyle>
+            <a:lvl1pPr algn="r">
+              <a:defRPr sz="1200"/>
+            </a:lvl1pPr>
+          </a:lstStyle>
+          <a:p>
+            <a:fld id="{35D94371-71D9-462A-96B5-5F193BA0E3AE}" type="datetimeFigureOut">
+              <a:rPr lang="de-CH" smtClean="0"/>
+              <a:t>31.10.2020</a:t>
+            </a:fld>
+            <a:endParaRPr lang="de-CH"/>
+          </a:p>
+        </p:txBody>
+      </p:sp>
+      <p:sp>
+        <p:nvSpPr>
+          <p:cNvPr id="4" name="Folienbildplatzhalter 3"/>
+          <p:cNvSpPr>
+            <a:spLocks noGrp="1" noRot="1" noChangeAspect="1"/>
+          </p:cNvSpPr>
+          <p:nvPr>
+            <p:ph type="sldImg" idx="2"/>
+          </p:nvPr>
+        </p:nvSpPr>
+        <p:spPr>
+          <a:xfrm>
+            <a:off x="685800" y="1143000"/>
+            <a:ext cx="5486400" cy="3086100"/>
+          </a:xfrm>
+          <a:prstGeom prst="rect">
+            <a:avLst/>
+          </a:prstGeom>
+          <a:noFill/>
+          <a:ln w="12700">
+            <a:solidFill>
+              <a:prstClr val="black"/>
+            </a:solidFill>
+          </a:ln>
+        </p:spPr>
+        <p:txBody>
+          <a:bodyPr vert="horz" lIns="91440" tIns="45720" rIns="91440" bIns="45720" rtlCol="0" anchor="ctr"/>
+          <a:lstStyle/>
+          <a:p>
+            <a:endParaRPr lang="de-CH"/>
+          </a:p>
+        </p:txBody>
+      </p:sp>
+      <p:sp>
+        <p:nvSpPr>
+          <p:cNvPr id="5" name="Notizenplatzhalter 4"/>
+          <p:cNvSpPr>
+            <a:spLocks noGrp="1"/>
+          </p:cNvSpPr>
+          <p:nvPr>
+            <p:ph type="body" sz="quarter" idx="3"/>
+          </p:nvPr>
+        </p:nvSpPr>
+        <p:spPr>
+          <a:xfrm>
+            <a:off x="685800" y="4400550"/>
+            <a:ext cx="5486400" cy="3600450"/>
+          </a:xfrm>
+          <a:prstGeom prst="rect">
+            <a:avLst/>
+          </a:prstGeom>
+        </p:spPr>
+        <p:txBody>
+          <a:bodyPr vert="horz" lIns="91440" tIns="45720" rIns="91440" bIns="45720" rtlCol="0"/>
+          <a:lstStyle/>
+          <a:p>
+            <a:pPr lvl="0"/>
+            <a:r>
+              <a:rPr lang="de-DE"/>
+              <a:t>Mastertextformat bearbeiten</a:t>
+            </a:r>
+          </a:p>
+          <a:p>
+            <a:pPr lvl="1"/>
+            <a:r>
+              <a:rPr lang="de-DE"/>
+              <a:t>Zweite Ebene</a:t>
+            </a:r>
+          </a:p>
+          <a:p>
+            <a:pPr lvl="2"/>
+            <a:r>
+              <a:rPr lang="de-DE"/>
+              <a:t>Dritte Ebene</a:t>
+            </a:r>
+          </a:p>
+          <a:p>
+            <a:pPr lvl="3"/>
+            <a:r>
+              <a:rPr lang="de-DE"/>
+              <a:t>Vierte Ebene</a:t>
+            </a:r>
+          </a:p>
+          <a:p>
+            <a:pPr lvl="4"/>
+            <a:r>
+              <a:rPr lang="de-DE"/>
+              <a:t>Fünfte Ebene</a:t>
+            </a:r>
+            <a:endParaRPr lang="de-CH"/>
+          </a:p>
+        </p:txBody>
+      </p:sp>
+      <p:sp>
+        <p:nvSpPr>
+          <p:cNvPr id="6" name="Fußzeilenplatzhalter 5"/>
+          <p:cNvSpPr>
+            <a:spLocks noGrp="1"/>
+          </p:cNvSpPr>
+          <p:nvPr>
+            <p:ph type="ftr" sz="quarter" idx="4"/>
+          </p:nvPr>
+        </p:nvSpPr>
+        <p:spPr>
+          <a:xfrm>
+            <a:off x="0" y="8685213"/>
+            <a:ext cx="2971800" cy="458787"/>
+          </a:xfrm>
+          <a:prstGeom prst="rect">
+            <a:avLst/>
+          </a:prstGeom>
+        </p:spPr>
+        <p:txBody>
+          <a:bodyPr vert="horz" lIns="91440" tIns="45720" rIns="91440" bIns="45720" rtlCol="0" anchor="b"/>
+          <a:lstStyle>
+            <a:lvl1pPr algn="l">
+              <a:defRPr sz="1200"/>
+            </a:lvl1pPr>
+          </a:lstStyle>
+          <a:p>
+            <a:endParaRPr lang="de-CH"/>
+          </a:p>
+        </p:txBody>
+      </p:sp>
+      <p:sp>
+        <p:nvSpPr>
+          <p:cNvPr id="7" name="Foliennummernplatzhalter 6"/>
+          <p:cNvSpPr>
+            <a:spLocks noGrp="1"/>
+          </p:cNvSpPr>
+          <p:nvPr>
+            <p:ph type="sldNum" sz="quarter" idx="5"/>
+          </p:nvPr>
+        </p:nvSpPr>
+        <p:spPr>
+          <a:xfrm>
+            <a:off x="3884613" y="8685213"/>
+            <a:ext cx="2971800" cy="458787"/>
+          </a:xfrm>
+          <a:prstGeom prst="rect">
+            <a:avLst/>
+          </a:prstGeom>
+        </p:spPr>
+        <p:txBody>
+          <a:bodyPr vert="horz" lIns="91440" tIns="45720" rIns="91440" bIns="45720" rtlCol="0" anchor="b"/>
+          <a:lstStyle>
+            <a:lvl1pPr algn="r">
+              <a:defRPr sz="1200"/>
+            </a:lvl1pPr>
+          </a:lstStyle>
+          <a:p>
+            <a:fld id="{32D7B0B6-E787-49BC-A860-445A8A7ABBA6}" type="slidenum">
+              <a:rPr lang="de-CH" smtClean="0"/>
+              <a:t>‹Nr.›</a:t>
+            </a:fld>
+            <a:endParaRPr lang="de-CH"/>
+          </a:p>
+        </p:txBody>
+      </p:sp>
+    </p:spTree>
+    <p:extLst>
+      <p:ext uri="{BB962C8B-B14F-4D97-AF65-F5344CB8AC3E}">
+        <p14:creationId xmlns:p14="http://schemas.microsoft.com/office/powerpoint/2010/main" val="3681274908"/>
+      </p:ext>
+    </p:extLst>
+  </p:cSld>
+  <p:clrMap bg1="lt1" tx1="dk1" bg2="lt2" tx2="dk2" accent1="accent1" accent2="accent2" accent3="accent3" accent4="accent4" accent5="accent5" accent6="accent6" hlink="hlink" folHlink="folHlink"/>
+  <p:notesStyle>
+    <a:lvl1pPr marL="0" algn="l" defTabSz="914400" rtl="0" eaLnBrk="1" latinLnBrk="0" hangingPunct="1">
+      <a:defRPr sz="1200" kern="1200">
+        <a:solidFill>
+          <a:schemeClr val="tx1"/>
+        </a:solidFill>
+        <a:latin typeface="+mn-lt"/>
+        <a:ea typeface="+mn-ea"/>
+        <a:cs typeface="+mn-cs"/>
+      </a:defRPr>
+    </a:lvl1pPr>
+    <a:lvl2pPr marL="457200" algn="l" defTabSz="914400" rtl="0" eaLnBrk="1" latinLnBrk="0" hangingPunct="1">
+      <a:defRPr sz="1200" kern="1200">
+        <a:solidFill>
+          <a:schemeClr val="tx1"/>
+        </a:solidFill>
+        <a:latin typeface="+mn-lt"/>
+        <a:ea typeface="+mn-ea"/>
+        <a:cs typeface="+mn-cs"/>
+      </a:defRPr>
+    </a:lvl2pPr>
+    <a:lvl3pPr marL="914400" algn="l" defTabSz="914400" rtl="0" eaLnBrk="1" latinLnBrk="0" hangingPunct="1">
+      <a:defRPr sz="1200" kern="1200">
+        <a:solidFill>
+          <a:schemeClr val="tx1"/>
+        </a:solidFill>
+        <a:latin typeface="+mn-lt"/>
+        <a:ea typeface="+mn-ea"/>
+        <a:cs typeface="+mn-cs"/>
+      </a:defRPr>
+    </a:lvl3pPr>
+    <a:lvl4pPr marL="1371600" algn="l" defTabSz="914400" rtl="0" eaLnBrk="1" latinLnBrk="0" hangingPunct="1">
+      <a:defRPr sz="1200" kern="1200">
+        <a:solidFill>
+          <a:schemeClr val="tx1"/>
+        </a:solidFill>
+        <a:latin typeface="+mn-lt"/>
+        <a:ea typeface="+mn-ea"/>
+        <a:cs typeface="+mn-cs"/>
+      </a:defRPr>
+    </a:lvl4pPr>
+    <a:lvl5pPr marL="1828800" algn="l" defTabSz="914400" rtl="0" eaLnBrk="1" latinLnBrk="0" hangingPunct="1">
+      <a:defRPr sz="1200" kern="1200">
+        <a:solidFill>
+          <a:schemeClr val="tx1"/>
+        </a:solidFill>
+        <a:latin typeface="+mn-lt"/>
+        <a:ea typeface="+mn-ea"/>
+        <a:cs typeface="+mn-cs"/>
+      </a:defRPr>
+    </a:lvl5pPr>
+    <a:lvl6pPr marL="2286000" algn="l" defTabSz="914400" rtl="0" eaLnBrk="1" latinLnBrk="0" hangingPunct="1">
+      <a:defRPr sz="1200" kern="1200">
+        <a:solidFill>
+          <a:schemeClr val="tx1"/>
+        </a:solidFill>
+        <a:latin typeface="+mn-lt"/>
+        <a:ea typeface="+mn-ea"/>
+        <a:cs typeface="+mn-cs"/>
+      </a:defRPr>
+    </a:lvl6pPr>
+    <a:lvl7pPr marL="2743200" algn="l" defTabSz="914400" rtl="0" eaLnBrk="1" latinLnBrk="0" hangingPunct="1">
+      <a:defRPr sz="1200" kern="1200">
+        <a:solidFill>
+          <a:schemeClr val="tx1"/>
+        </a:solidFill>
+        <a:latin typeface="+mn-lt"/>
+        <a:ea typeface="+mn-ea"/>
+        <a:cs typeface="+mn-cs"/>
+      </a:defRPr>
+    </a:lvl7pPr>
+    <a:lvl8pPr marL="3200400" algn="l" defTabSz="914400" rtl="0" eaLnBrk="1" latinLnBrk="0" hangingPunct="1">
+      <a:defRPr sz="1200" kern="1200">
+        <a:solidFill>
+          <a:schemeClr val="tx1"/>
+        </a:solidFill>
+        <a:latin typeface="+mn-lt"/>
+        <a:ea typeface="+mn-ea"/>
+        <a:cs typeface="+mn-cs"/>
+      </a:defRPr>
+    </a:lvl8pPr>
+    <a:lvl9pPr marL="3657600" algn="l" defTabSz="914400" rtl="0" eaLnBrk="1" latinLnBrk="0" hangingPunct="1">
+      <a:defRPr sz="1200" kern="1200">
+        <a:solidFill>
+          <a:schemeClr val="tx1"/>
+        </a:solidFill>
+        <a:latin typeface="+mn-lt"/>
+        <a:ea typeface="+mn-ea"/>
+        <a:cs typeface="+mn-cs"/>
+      </a:defRPr>
+    </a:lvl9pPr>
+  </p:notesStyle>
+</p:notesMaster>
+</file>
+
+<file path=ppt/notesSlides/notesSlide1.xml><?xml version="1.0" encoding="utf-8"?>
+<p:notes xmlns:a="http://schemas.openxmlformats.org/drawingml/2006/main" xmlns:r="http://schemas.openxmlformats.org/officeDocument/2006/relationships" xmlns:p="http://schemas.openxmlformats.org/presentationml/2006/main">
+  <p:cSld>
+    <p:spTree>
+      <p:nvGrpSpPr>
+        <p:cNvPr id="1" name=""/>
+        <p:cNvGrpSpPr/>
+        <p:nvPr/>
+      </p:nvGrpSpPr>
+      <p:grpSpPr>
+        <a:xfrm>
+          <a:off x="0" y="0"/>
+          <a:ext cx="0" cy="0"/>
+          <a:chOff x="0" y="0"/>
+          <a:chExt cx="0" cy="0"/>
+        </a:xfrm>
+      </p:grpSpPr>
+      <p:sp>
+        <p:nvSpPr>
+          <p:cNvPr id="2" name="Folienbildplatzhalter 1"/>
+          <p:cNvSpPr>
+            <a:spLocks noGrp="1" noRot="1" noChangeAspect="1"/>
+          </p:cNvSpPr>
+          <p:nvPr>
+            <p:ph type="sldImg"/>
+          </p:nvPr>
+        </p:nvSpPr>
+        <p:spPr/>
+      </p:sp>
+      <p:sp>
+        <p:nvSpPr>
+          <p:cNvPr id="3" name="Notizenplatzhalter 2"/>
+          <p:cNvSpPr>
+            <a:spLocks noGrp="1"/>
+          </p:cNvSpPr>
+          <p:nvPr>
+            <p:ph type="body" idx="1"/>
+          </p:nvPr>
+        </p:nvSpPr>
+        <p:spPr/>
+        <p:txBody>
+          <a:bodyPr/>
+          <a:lstStyle/>
+          <a:p>
+            <a:endParaRPr lang="de-CH" dirty="0"/>
+          </a:p>
+        </p:txBody>
+      </p:sp>
+      <p:sp>
+        <p:nvSpPr>
+          <p:cNvPr id="4" name="Foliennummernplatzhalter 3"/>
+          <p:cNvSpPr>
+            <a:spLocks noGrp="1"/>
+          </p:cNvSpPr>
+          <p:nvPr>
+            <p:ph type="sldNum" sz="quarter" idx="5"/>
+          </p:nvPr>
+        </p:nvSpPr>
+        <p:spPr/>
+        <p:txBody>
+          <a:bodyPr/>
+          <a:lstStyle/>
+          <a:p>
+            <a:fld id="{32D7B0B6-E787-49BC-A860-445A8A7ABBA6}" type="slidenum">
+              <a:rPr lang="de-CH" smtClean="0"/>
+              <a:t>1</a:t>
+            </a:fld>
+            <a:endParaRPr lang="de-CH"/>
+          </a:p>
+        </p:txBody>
+      </p:sp>
+    </p:spTree>
+    <p:extLst>
+      <p:ext uri="{BB962C8B-B14F-4D97-AF65-F5344CB8AC3E}">
+        <p14:creationId xmlns:p14="http://schemas.microsoft.com/office/powerpoint/2010/main" val="2243946901"/>
+      </p:ext>
+    </p:extLst>
+  </p:cSld>
+  <p:clrMapOvr>
+    <a:masterClrMapping/>
+  </p:clrMapOvr>
+</p:notes>
+</file>
+
 <file path=ppt/slideLayouts/slideLayout1.xml><?xml version="1.0" encoding="utf-8"?>
 <p:sldLayout xmlns:a="http://schemas.openxmlformats.org/drawingml/2006/main" xmlns:r="http://schemas.openxmlformats.org/officeDocument/2006/relationships" xmlns:p="http://schemas.openxmlformats.org/presentationml/2006/main" type="title" preserve="1">
   <p:cSld name="Title Slide">
@@ -251,7 +688,7 @@
           <a:p>
             <a:fld id="{52DDFEA3-AA80-4113-9FE1-18997E4E830F}" type="datetimeFigureOut">
               <a:rPr lang="en-CH" smtClean="0"/>
-              <a:t>10/28/2020</a:t>
+              <a:t>10/31/2020</a:t>
             </a:fld>
             <a:endParaRPr lang="en-CH"/>
           </a:p>
@@ -421,7 +858,7 @@
           <a:p>
             <a:fld id="{52DDFEA3-AA80-4113-9FE1-18997E4E830F}" type="datetimeFigureOut">
               <a:rPr lang="en-CH" smtClean="0"/>
-              <a:t>10/28/2020</a:t>
+              <a:t>10/31/2020</a:t>
             </a:fld>
             <a:endParaRPr lang="en-CH"/>
           </a:p>
@@ -601,7 +1038,7 @@
           <a:p>
             <a:fld id="{52DDFEA3-AA80-4113-9FE1-18997E4E830F}" type="datetimeFigureOut">
               <a:rPr lang="en-CH" smtClean="0"/>
-              <a:t>10/28/2020</a:t>
+              <a:t>10/31/2020</a:t>
             </a:fld>
             <a:endParaRPr lang="en-CH"/>
           </a:p>
@@ -771,7 +1208,7 @@
           <a:p>
             <a:fld id="{52DDFEA3-AA80-4113-9FE1-18997E4E830F}" type="datetimeFigureOut">
               <a:rPr lang="en-CH" smtClean="0"/>
-              <a:t>10/28/2020</a:t>
+              <a:t>10/31/2020</a:t>
             </a:fld>
             <a:endParaRPr lang="en-CH"/>
           </a:p>
@@ -1017,7 +1454,7 @@
           <a:p>
             <a:fld id="{52DDFEA3-AA80-4113-9FE1-18997E4E830F}" type="datetimeFigureOut">
               <a:rPr lang="en-CH" smtClean="0"/>
-              <a:t>10/28/2020</a:t>
+              <a:t>10/31/2020</a:t>
             </a:fld>
             <a:endParaRPr lang="en-CH"/>
           </a:p>
@@ -1249,7 +1686,7 @@
           <a:p>
             <a:fld id="{52DDFEA3-AA80-4113-9FE1-18997E4E830F}" type="datetimeFigureOut">
               <a:rPr lang="en-CH" smtClean="0"/>
-              <a:t>10/28/2020</a:t>
+              <a:t>10/31/2020</a:t>
             </a:fld>
             <a:endParaRPr lang="en-CH"/>
           </a:p>
@@ -1616,7 +2053,7 @@
           <a:p>
             <a:fld id="{52DDFEA3-AA80-4113-9FE1-18997E4E830F}" type="datetimeFigureOut">
               <a:rPr lang="en-CH" smtClean="0"/>
-              <a:t>10/28/2020</a:t>
+              <a:t>10/31/2020</a:t>
             </a:fld>
             <a:endParaRPr lang="en-CH"/>
           </a:p>
@@ -1734,7 +2171,7 @@
           <a:p>
             <a:fld id="{52DDFEA3-AA80-4113-9FE1-18997E4E830F}" type="datetimeFigureOut">
               <a:rPr lang="en-CH" smtClean="0"/>
-              <a:t>10/28/2020</a:t>
+              <a:t>10/31/2020</a:t>
             </a:fld>
             <a:endParaRPr lang="en-CH"/>
           </a:p>
@@ -1829,7 +2266,7 @@
           <a:p>
             <a:fld id="{52DDFEA3-AA80-4113-9FE1-18997E4E830F}" type="datetimeFigureOut">
               <a:rPr lang="en-CH" smtClean="0"/>
-              <a:t>10/28/2020</a:t>
+              <a:t>10/31/2020</a:t>
             </a:fld>
             <a:endParaRPr lang="en-CH"/>
           </a:p>
@@ -2106,7 +2543,7 @@
           <a:p>
             <a:fld id="{52DDFEA3-AA80-4113-9FE1-18997E4E830F}" type="datetimeFigureOut">
               <a:rPr lang="en-CH" smtClean="0"/>
-              <a:t>10/28/2020</a:t>
+              <a:t>10/31/2020</a:t>
             </a:fld>
             <a:endParaRPr lang="en-CH"/>
           </a:p>
@@ -2363,7 +2800,7 @@
           <a:p>
             <a:fld id="{52DDFEA3-AA80-4113-9FE1-18997E4E830F}" type="datetimeFigureOut">
               <a:rPr lang="en-CH" smtClean="0"/>
-              <a:t>10/28/2020</a:t>
+              <a:t>10/31/2020</a:t>
             </a:fld>
             <a:endParaRPr lang="en-CH"/>
           </a:p>
@@ -2576,7 +3013,7 @@
           <a:p>
             <a:fld id="{52DDFEA3-AA80-4113-9FE1-18997E4E830F}" type="datetimeFigureOut">
               <a:rPr lang="en-CH" smtClean="0"/>
-              <a:t>10/28/2020</a:t>
+              <a:t>10/31/2020</a:t>
             </a:fld>
             <a:endParaRPr lang="en-CH"/>
           </a:p>
@@ -2970,7 +3407,7 @@
     <p:bg>
       <p:bgPr>
         <a:blipFill dpi="0" rotWithShape="1">
-          <a:blip r:embed="rId2">
+          <a:blip r:embed="rId3">
             <a:lum/>
           </a:blip>
           <a:srcRect/>
@@ -5084,7 +5521,7 @@
         </p:blipFill>
         <p:spPr>
           <a:xfrm>
-            <a:off x="5856198" y="311616"/>
+            <a:off x="5856198" y="333034"/>
             <a:ext cx="5959083" cy="6340031"/>
           </a:xfrm>
           <a:prstGeom prst="rect">
@@ -5247,15 +5684,9 @@
   <p:cSld>
     <p:bg>
       <p:bgPr>
-        <a:blipFill dpi="0" rotWithShape="1">
-          <a:blip r:embed="rId2">
-            <a:lum/>
-          </a:blip>
-          <a:srcRect/>
-          <a:stretch>
-            <a:fillRect t="-8000" b="-8000"/>
-          </a:stretch>
-        </a:blipFill>
+        <a:solidFill>
+          <a:schemeClr val="bg1"/>
+        </a:solidFill>
         <a:effectLst/>
       </p:bgPr>
     </p:bg>
@@ -5273,6 +5704,196 @@
           <a:chExt cx="0" cy="0"/>
         </a:xfrm>
       </p:grpSpPr>
+      <p:sp>
+        <p:nvSpPr>
+          <p:cNvPr id="8" name="Rectangle 7">
+            <a:extLst>
+              <a:ext uri="{FF2B5EF4-FFF2-40B4-BE49-F238E27FC236}">
+                <a16:creationId xmlns:a16="http://schemas.microsoft.com/office/drawing/2014/main" id="{42A4FC2C-047E-45A5-965D-8E1E3BF09BC6}"/>
+              </a:ext>
+              <a:ext uri="{C183D7F6-B498-43B3-948B-1728B52AA6E4}">
+                <adec:decorative xmlns:adec="http://schemas.microsoft.com/office/drawing/2017/decorative" val="1"/>
+              </a:ext>
+            </a:extLst>
+          </p:cNvPr>
+          <p:cNvSpPr>
+            <a:spLocks noGrp="1" noRot="1" noChangeAspect="1" noMove="1" noResize="1" noEditPoints="1" noAdjustHandles="1" noChangeArrowheads="1" noChangeShapeType="1" noTextEdit="1"/>
+          </p:cNvSpPr>
+          <p:nvPr>
+            <p:extLst>
+              <p:ext uri="{386F3935-93C4-4BCD-93E2-E3B085C9AB24}">
+                <p16:designElem xmlns:p16="http://schemas.microsoft.com/office/powerpoint/2015/main" val="1"/>
+              </p:ext>
+            </p:extLst>
+          </p:nvPr>
+        </p:nvSpPr>
+        <p:spPr bwMode="white">
+          <a:xfrm>
+            <a:off x="1524" y="0"/>
+            <a:ext cx="12188952" cy="6858000"/>
+          </a:xfrm>
+          <a:prstGeom prst="rect">
+            <a:avLst/>
+          </a:prstGeom>
+          <a:noFill/>
+          <a:ln>
+            <a:noFill/>
+          </a:ln>
+        </p:spPr>
+        <p:style>
+          <a:lnRef idx="2">
+            <a:schemeClr val="accent1">
+              <a:shade val="50000"/>
+            </a:schemeClr>
+          </a:lnRef>
+          <a:fillRef idx="1">
+            <a:schemeClr val="accent1"/>
+          </a:fillRef>
+          <a:effectRef idx="0">
+            <a:schemeClr val="accent1"/>
+          </a:effectRef>
+          <a:fontRef idx="minor">
+            <a:schemeClr val="lt1"/>
+          </a:fontRef>
+        </p:style>
+        <p:txBody>
+          <a:bodyPr rtlCol="0" anchor="ctr"/>
+          <a:lstStyle>
+            <a:defPPr>
+              <a:defRPr lang="en-US"/>
+            </a:defPPr>
+            <a:lvl1pPr marL="0" algn="l" defTabSz="914400" rtl="0" eaLnBrk="1" latinLnBrk="0" hangingPunct="1">
+              <a:defRPr sz="1800" kern="1200">
+                <a:solidFill>
+                  <a:schemeClr val="lt1"/>
+                </a:solidFill>
+                <a:latin typeface="+mn-lt"/>
+                <a:ea typeface="+mn-ea"/>
+                <a:cs typeface="+mn-cs"/>
+              </a:defRPr>
+            </a:lvl1pPr>
+            <a:lvl2pPr marL="457200" algn="l" defTabSz="914400" rtl="0" eaLnBrk="1" latinLnBrk="0" hangingPunct="1">
+              <a:defRPr sz="1800" kern="1200">
+                <a:solidFill>
+                  <a:schemeClr val="lt1"/>
+                </a:solidFill>
+                <a:latin typeface="+mn-lt"/>
+                <a:ea typeface="+mn-ea"/>
+                <a:cs typeface="+mn-cs"/>
+              </a:defRPr>
+            </a:lvl2pPr>
+            <a:lvl3pPr marL="914400" algn="l" defTabSz="914400" rtl="0" eaLnBrk="1" latinLnBrk="0" hangingPunct="1">
+              <a:defRPr sz="1800" kern="1200">
+                <a:solidFill>
+                  <a:schemeClr val="lt1"/>
+                </a:solidFill>
+                <a:latin typeface="+mn-lt"/>
+                <a:ea typeface="+mn-ea"/>
+                <a:cs typeface="+mn-cs"/>
+              </a:defRPr>
+            </a:lvl3pPr>
+            <a:lvl4pPr marL="1371600" algn="l" defTabSz="914400" rtl="0" eaLnBrk="1" latinLnBrk="0" hangingPunct="1">
+              <a:defRPr sz="1800" kern="1200">
+                <a:solidFill>
+                  <a:schemeClr val="lt1"/>
+                </a:solidFill>
+                <a:latin typeface="+mn-lt"/>
+                <a:ea typeface="+mn-ea"/>
+                <a:cs typeface="+mn-cs"/>
+              </a:defRPr>
+            </a:lvl4pPr>
+            <a:lvl5pPr marL="1828800" algn="l" defTabSz="914400" rtl="0" eaLnBrk="1" latinLnBrk="0" hangingPunct="1">
+              <a:defRPr sz="1800" kern="1200">
+                <a:solidFill>
+                  <a:schemeClr val="lt1"/>
+                </a:solidFill>
+                <a:latin typeface="+mn-lt"/>
+                <a:ea typeface="+mn-ea"/>
+                <a:cs typeface="+mn-cs"/>
+              </a:defRPr>
+            </a:lvl5pPr>
+            <a:lvl6pPr marL="2286000" algn="l" defTabSz="914400" rtl="0" eaLnBrk="1" latinLnBrk="0" hangingPunct="1">
+              <a:defRPr sz="1800" kern="1200">
+                <a:solidFill>
+                  <a:schemeClr val="lt1"/>
+                </a:solidFill>
+                <a:latin typeface="+mn-lt"/>
+                <a:ea typeface="+mn-ea"/>
+                <a:cs typeface="+mn-cs"/>
+              </a:defRPr>
+            </a:lvl6pPr>
+            <a:lvl7pPr marL="2743200" algn="l" defTabSz="914400" rtl="0" eaLnBrk="1" latinLnBrk="0" hangingPunct="1">
+              <a:defRPr sz="1800" kern="1200">
+                <a:solidFill>
+                  <a:schemeClr val="lt1"/>
+                </a:solidFill>
+                <a:latin typeface="+mn-lt"/>
+                <a:ea typeface="+mn-ea"/>
+                <a:cs typeface="+mn-cs"/>
+              </a:defRPr>
+            </a:lvl7pPr>
+            <a:lvl8pPr marL="3200400" algn="l" defTabSz="914400" rtl="0" eaLnBrk="1" latinLnBrk="0" hangingPunct="1">
+              <a:defRPr sz="1800" kern="1200">
+                <a:solidFill>
+                  <a:schemeClr val="lt1"/>
+                </a:solidFill>
+                <a:latin typeface="+mn-lt"/>
+                <a:ea typeface="+mn-ea"/>
+                <a:cs typeface="+mn-cs"/>
+              </a:defRPr>
+            </a:lvl8pPr>
+            <a:lvl9pPr marL="3657600" algn="l" defTabSz="914400" rtl="0" eaLnBrk="1" latinLnBrk="0" hangingPunct="1">
+              <a:defRPr sz="1800" kern="1200">
+                <a:solidFill>
+                  <a:schemeClr val="lt1"/>
+                </a:solidFill>
+                <a:latin typeface="+mn-lt"/>
+                <a:ea typeface="+mn-ea"/>
+                <a:cs typeface="+mn-cs"/>
+              </a:defRPr>
+            </a:lvl9pPr>
+          </a:lstStyle>
+          <a:p>
+            <a:pPr algn="ctr"/>
+            <a:endParaRPr lang="en-US"/>
+          </a:p>
+        </p:txBody>
+      </p:sp>
+      <p:pic>
+        <p:nvPicPr>
+          <p:cNvPr id="3" name="Grafik 2" descr="Ein Bild, das Person, Mann, drinnen, Front enthält.&#10;&#10;Automatisch generierte Beschreibung">
+            <a:extLst>
+              <a:ext uri="{FF2B5EF4-FFF2-40B4-BE49-F238E27FC236}">
+                <a16:creationId xmlns:a16="http://schemas.microsoft.com/office/drawing/2014/main" id="{08CB7503-A9F6-4E20-A12A-B1624D6A726A}"/>
+              </a:ext>
+            </a:extLst>
+          </p:cNvPr>
+          <p:cNvPicPr>
+            <a:picLocks noChangeAspect="1"/>
+          </p:cNvPicPr>
+          <p:nvPr/>
+        </p:nvPicPr>
+        <p:blipFill rotWithShape="1">
+          <a:blip r:embed="rId2">
+            <a:extLst>
+              <a:ext uri="{28A0092B-C50C-407E-A947-70E740481C1C}">
+                <a14:useLocalDpi xmlns:a14="http://schemas.microsoft.com/office/drawing/2010/main" val="0"/>
+              </a:ext>
+            </a:extLst>
+          </a:blip>
+          <a:srcRect t="5813" b="9933"/>
+          <a:stretch/>
+        </p:blipFill>
+        <p:spPr>
+          <a:xfrm>
+            <a:off x="20" y="1282"/>
+            <a:ext cx="12191980" cy="6856718"/>
+          </a:xfrm>
+          <a:prstGeom prst="rect">
+            <a:avLst/>
+          </a:prstGeom>
+        </p:spPr>
+      </p:pic>
     </p:spTree>
     <p:extLst>
       <p:ext uri="{BB962C8B-B14F-4D97-AF65-F5344CB8AC3E}">
@@ -5547,22 +6168,302 @@
 </a:theme>
 </file>
 
-<file path=customXml/item1.xml><?xml version="1.0" encoding="utf-8"?>
-<p:properties xmlns:p="http://schemas.microsoft.com/office/2006/metadata/properties" xmlns:xsi="http://www.w3.org/2001/XMLSchema-instance" xmlns:pc="http://schemas.microsoft.com/office/infopath/2007/PartnerControls">
-  <documentManagement/>
-</p:properties>
+<file path=ppt/theme/theme2.xml><?xml version="1.0" encoding="utf-8"?>
+<a:theme xmlns:a="http://schemas.openxmlformats.org/drawingml/2006/main" name="Office">
+  <a:themeElements>
+    <a:clrScheme name="Office">
+      <a:dk1>
+        <a:sysClr val="windowText" lastClr="000000"/>
+      </a:dk1>
+      <a:lt1>
+        <a:sysClr val="window" lastClr="FFFFFF"/>
+      </a:lt1>
+      <a:dk2>
+        <a:srgbClr val="44546A"/>
+      </a:dk2>
+      <a:lt2>
+        <a:srgbClr val="E7E6E6"/>
+      </a:lt2>
+      <a:accent1>
+        <a:srgbClr val="4472C4"/>
+      </a:accent1>
+      <a:accent2>
+        <a:srgbClr val="ED7D31"/>
+      </a:accent2>
+      <a:accent3>
+        <a:srgbClr val="A5A5A5"/>
+      </a:accent3>
+      <a:accent4>
+        <a:srgbClr val="FFC000"/>
+      </a:accent4>
+      <a:accent5>
+        <a:srgbClr val="5B9BD5"/>
+      </a:accent5>
+      <a:accent6>
+        <a:srgbClr val="70AD47"/>
+      </a:accent6>
+      <a:hlink>
+        <a:srgbClr val="0563C1"/>
+      </a:hlink>
+      <a:folHlink>
+        <a:srgbClr val="954F72"/>
+      </a:folHlink>
+    </a:clrScheme>
+    <a:fontScheme name="Office">
+      <a:majorFont>
+        <a:latin typeface="Calibri Light" panose="020F0302020204030204"/>
+        <a:ea typeface=""/>
+        <a:cs typeface=""/>
+        <a:font script="Jpan" typeface="游ゴシック Light"/>
+        <a:font script="Hang" typeface="맑은 고딕"/>
+        <a:font script="Hans" typeface="等线 Light"/>
+        <a:font script="Hant" typeface="新細明體"/>
+        <a:font script="Arab" typeface="Times New Roman"/>
+        <a:font script="Hebr" typeface="Times New Roman"/>
+        <a:font script="Thai" typeface="Angsana New"/>
+        <a:font script="Ethi" typeface="Nyala"/>
+        <a:font script="Beng" typeface="Vrinda"/>
+        <a:font script="Gujr" typeface="Shruti"/>
+        <a:font script="Khmr" typeface="MoolBoran"/>
+        <a:font script="Knda" typeface="Tunga"/>
+        <a:font script="Guru" typeface="Raavi"/>
+        <a:font script="Cans" typeface="Euphemia"/>
+        <a:font script="Cher" typeface="Plantagenet Cherokee"/>
+        <a:font script="Yiii" typeface="Microsoft Yi Baiti"/>
+        <a:font script="Tibt" typeface="Microsoft Himalaya"/>
+        <a:font script="Thaa" typeface="MV Boli"/>
+        <a:font script="Deva" typeface="Mangal"/>
+        <a:font script="Telu" typeface="Gautami"/>
+        <a:font script="Taml" typeface="Latha"/>
+        <a:font script="Syrc" typeface="Estrangelo Edessa"/>
+        <a:font script="Orya" typeface="Kalinga"/>
+        <a:font script="Mlym" typeface="Kartika"/>
+        <a:font script="Laoo" typeface="DokChampa"/>
+        <a:font script="Sinh" typeface="Iskoola Pota"/>
+        <a:font script="Mong" typeface="Mongolian Baiti"/>
+        <a:font script="Viet" typeface="Times New Roman"/>
+        <a:font script="Uigh" typeface="Microsoft Uighur"/>
+        <a:font script="Geor" typeface="Sylfaen"/>
+        <a:font script="Armn" typeface="Arial"/>
+        <a:font script="Bugi" typeface="Leelawadee UI"/>
+        <a:font script="Bopo" typeface="Microsoft JhengHei"/>
+        <a:font script="Java" typeface="Javanese Text"/>
+        <a:font script="Lisu" typeface="Segoe UI"/>
+        <a:font script="Mymr" typeface="Myanmar Text"/>
+        <a:font script="Nkoo" typeface="Ebrima"/>
+        <a:font script="Olck" typeface="Nirmala UI"/>
+        <a:font script="Osma" typeface="Ebrima"/>
+        <a:font script="Phag" typeface="Phagspa"/>
+        <a:font script="Syrn" typeface="Estrangelo Edessa"/>
+        <a:font script="Syrj" typeface="Estrangelo Edessa"/>
+        <a:font script="Syre" typeface="Estrangelo Edessa"/>
+        <a:font script="Sora" typeface="Nirmala UI"/>
+        <a:font script="Tale" typeface="Microsoft Tai Le"/>
+        <a:font script="Talu" typeface="Microsoft New Tai Lue"/>
+        <a:font script="Tfng" typeface="Ebrima"/>
+      </a:majorFont>
+      <a:minorFont>
+        <a:latin typeface="Calibri" panose="020F0502020204030204"/>
+        <a:ea typeface=""/>
+        <a:cs typeface=""/>
+        <a:font script="Jpan" typeface="游ゴシック"/>
+        <a:font script="Hang" typeface="맑은 고딕"/>
+        <a:font script="Hans" typeface="等线"/>
+        <a:font script="Hant" typeface="新細明體"/>
+        <a:font script="Arab" typeface="Arial"/>
+        <a:font script="Hebr" typeface="Arial"/>
+        <a:font script="Thai" typeface="Cordia New"/>
+        <a:font script="Ethi" typeface="Nyala"/>
+        <a:font script="Beng" typeface="Vrinda"/>
+        <a:font script="Gujr" typeface="Shruti"/>
+        <a:font script="Khmr" typeface="DaunPenh"/>
+        <a:font script="Knda" typeface="Tunga"/>
+        <a:font script="Guru" typeface="Raavi"/>
+        <a:font script="Cans" typeface="Euphemia"/>
+        <a:font script="Cher" typeface="Plantagenet Cherokee"/>
+        <a:font script="Yiii" typeface="Microsoft Yi Baiti"/>
+        <a:font script="Tibt" typeface="Microsoft Himalaya"/>
+        <a:font script="Thaa" typeface="MV Boli"/>
+        <a:font script="Deva" typeface="Mangal"/>
+        <a:font script="Telu" typeface="Gautami"/>
+        <a:font script="Taml" typeface="Latha"/>
+        <a:font script="Syrc" typeface="Estrangelo Edessa"/>
+        <a:font script="Orya" typeface="Kalinga"/>
+        <a:font script="Mlym" typeface="Kartika"/>
+        <a:font script="Laoo" typeface="DokChampa"/>
+        <a:font script="Sinh" typeface="Iskoola Pota"/>
+        <a:font script="Mong" typeface="Mongolian Baiti"/>
+        <a:font script="Viet" typeface="Arial"/>
+        <a:font script="Uigh" typeface="Microsoft Uighur"/>
+        <a:font script="Geor" typeface="Sylfaen"/>
+        <a:font script="Armn" typeface="Arial"/>
+        <a:font script="Bugi" typeface="Leelawadee UI"/>
+        <a:font script="Bopo" typeface="Microsoft JhengHei"/>
+        <a:font script="Java" typeface="Javanese Text"/>
+        <a:font script="Lisu" typeface="Segoe UI"/>
+        <a:font script="Mymr" typeface="Myanmar Text"/>
+        <a:font script="Nkoo" typeface="Ebrima"/>
+        <a:font script="Olck" typeface="Nirmala UI"/>
+        <a:font script="Osma" typeface="Ebrima"/>
+        <a:font script="Phag" typeface="Phagspa"/>
+        <a:font script="Syrn" typeface="Estrangelo Edessa"/>
+        <a:font script="Syrj" typeface="Estrangelo Edessa"/>
+        <a:font script="Syre" typeface="Estrangelo Edessa"/>
+        <a:font script="Sora" typeface="Nirmala UI"/>
+        <a:font script="Tale" typeface="Microsoft Tai Le"/>
+        <a:font script="Talu" typeface="Microsoft New Tai Lue"/>
+        <a:font script="Tfng" typeface="Ebrima"/>
+      </a:minorFont>
+    </a:fontScheme>
+    <a:fmtScheme name="Office">
+      <a:fillStyleLst>
+        <a:solidFill>
+          <a:schemeClr val="phClr"/>
+        </a:solidFill>
+        <a:gradFill rotWithShape="1">
+          <a:gsLst>
+            <a:gs pos="0">
+              <a:schemeClr val="phClr">
+                <a:lumMod val="110000"/>
+                <a:satMod val="105000"/>
+                <a:tint val="67000"/>
+              </a:schemeClr>
+            </a:gs>
+            <a:gs pos="50000">
+              <a:schemeClr val="phClr">
+                <a:lumMod val="105000"/>
+                <a:satMod val="103000"/>
+                <a:tint val="73000"/>
+              </a:schemeClr>
+            </a:gs>
+            <a:gs pos="100000">
+              <a:schemeClr val="phClr">
+                <a:lumMod val="105000"/>
+                <a:satMod val="109000"/>
+                <a:tint val="81000"/>
+              </a:schemeClr>
+            </a:gs>
+          </a:gsLst>
+          <a:lin ang="5400000" scaled="0"/>
+        </a:gradFill>
+        <a:gradFill rotWithShape="1">
+          <a:gsLst>
+            <a:gs pos="0">
+              <a:schemeClr val="phClr">
+                <a:satMod val="103000"/>
+                <a:lumMod val="102000"/>
+                <a:tint val="94000"/>
+              </a:schemeClr>
+            </a:gs>
+            <a:gs pos="50000">
+              <a:schemeClr val="phClr">
+                <a:satMod val="110000"/>
+                <a:lumMod val="100000"/>
+                <a:shade val="100000"/>
+              </a:schemeClr>
+            </a:gs>
+            <a:gs pos="100000">
+              <a:schemeClr val="phClr">
+                <a:lumMod val="99000"/>
+                <a:satMod val="120000"/>
+                <a:shade val="78000"/>
+              </a:schemeClr>
+            </a:gs>
+          </a:gsLst>
+          <a:lin ang="5400000" scaled="0"/>
+        </a:gradFill>
+      </a:fillStyleLst>
+      <a:lnStyleLst>
+        <a:ln w="6350" cap="flat" cmpd="sng" algn="ctr">
+          <a:solidFill>
+            <a:schemeClr val="phClr"/>
+          </a:solidFill>
+          <a:prstDash val="solid"/>
+          <a:miter lim="800000"/>
+        </a:ln>
+        <a:ln w="12700" cap="flat" cmpd="sng" algn="ctr">
+          <a:solidFill>
+            <a:schemeClr val="phClr"/>
+          </a:solidFill>
+          <a:prstDash val="solid"/>
+          <a:miter lim="800000"/>
+        </a:ln>
+        <a:ln w="19050" cap="flat" cmpd="sng" algn="ctr">
+          <a:solidFill>
+            <a:schemeClr val="phClr"/>
+          </a:solidFill>
+          <a:prstDash val="solid"/>
+          <a:miter lim="800000"/>
+        </a:ln>
+      </a:lnStyleLst>
+      <a:effectStyleLst>
+        <a:effectStyle>
+          <a:effectLst/>
+        </a:effectStyle>
+        <a:effectStyle>
+          <a:effectLst/>
+        </a:effectStyle>
+        <a:effectStyle>
+          <a:effectLst>
+            <a:outerShdw blurRad="57150" dist="19050" dir="5400000" algn="ctr" rotWithShape="0">
+              <a:srgbClr val="000000">
+                <a:alpha val="63000"/>
+              </a:srgbClr>
+            </a:outerShdw>
+          </a:effectLst>
+        </a:effectStyle>
+      </a:effectStyleLst>
+      <a:bgFillStyleLst>
+        <a:solidFill>
+          <a:schemeClr val="phClr"/>
+        </a:solidFill>
+        <a:solidFill>
+          <a:schemeClr val="phClr">
+            <a:tint val="95000"/>
+            <a:satMod val="170000"/>
+          </a:schemeClr>
+        </a:solidFill>
+        <a:gradFill rotWithShape="1">
+          <a:gsLst>
+            <a:gs pos="0">
+              <a:schemeClr val="phClr">
+                <a:tint val="93000"/>
+                <a:satMod val="150000"/>
+                <a:shade val="98000"/>
+                <a:lumMod val="102000"/>
+              </a:schemeClr>
+            </a:gs>
+            <a:gs pos="50000">
+              <a:schemeClr val="phClr">
+                <a:tint val="98000"/>
+                <a:satMod val="130000"/>
+                <a:shade val="90000"/>
+                <a:lumMod val="103000"/>
+              </a:schemeClr>
+            </a:gs>
+            <a:gs pos="100000">
+              <a:schemeClr val="phClr">
+                <a:shade val="63000"/>
+                <a:satMod val="120000"/>
+              </a:schemeClr>
+            </a:gs>
+          </a:gsLst>
+          <a:lin ang="5400000" scaled="0"/>
+        </a:gradFill>
+      </a:bgFillStyleLst>
+    </a:fmtScheme>
+  </a:themeElements>
+  <a:objectDefaults/>
+  <a:extraClrSchemeLst/>
+  <a:extLst>
+    <a:ext uri="{05A4C25C-085E-4340-85A3-A5531E510DB2}">
+      <thm15:themeFamily xmlns:thm15="http://schemas.microsoft.com/office/thememl/2012/main" name="Office Theme" id="{62F939B6-93AF-4DB8-9C6B-D6C7DFDC589F}" vid="{4A3C46E8-61CC-4603-A589-7422A47A8E4A}"/>
+    </a:ext>
+  </a:extLst>
+</a:theme>
 </file>
 
-<file path=customXml/item2.xml><?xml version="1.0" encoding="utf-8"?>
-<?mso-contentType ?>
-<FormTemplates xmlns="http://schemas.microsoft.com/sharepoint/v3/contenttype/forms">
-  <Display>DocumentLibraryForm</Display>
-  <Edit>DocumentLibraryForm</Edit>
-  <New>DocumentLibraryForm</New>
-</FormTemplates>
-</file>
-
-<file path=customXml/item3.xml><?xml version="1.0" encoding="utf-8"?>
+<file path=customXml/item1.xml><?xml version="1.0" encoding="utf-8"?>
 <ct:contentTypeSchema xmlns:ct="http://schemas.microsoft.com/office/2006/metadata/contentType" xmlns:ma="http://schemas.microsoft.com/office/2006/metadata/properties/metaAttributes" ct:_="" ma:_="" ma:contentTypeName="Document" ma:contentTypeID="0x010100494A347D5920A64EA2CD731EB0C8ACC6" ma:contentTypeVersion="7" ma:contentTypeDescription="Create a new document." ma:contentTypeScope="" ma:versionID="e17f29b6d4d83e459da90d02b6c003c2">
   <xsd:schema xmlns:xsd="http://www.w3.org/2001/XMLSchema" xmlns:xs="http://www.w3.org/2001/XMLSchema" xmlns:p="http://schemas.microsoft.com/office/2006/metadata/properties" xmlns:ns2="034f678d-b3e2-4fe1-a860-67b10f143a45" targetNamespace="http://schemas.microsoft.com/office/2006/metadata/properties" ma:root="true" ma:fieldsID="13f6395f87f32c88285338af06094db0" ns2:_="">
     <xsd:import namespace="034f678d-b3e2-4fe1-a860-67b10f143a45"/>
@@ -5726,24 +6627,22 @@
 </ct:contentTypeSchema>
 </file>
 
-<file path=customXml/itemProps1.xml><?xml version="1.0" encoding="utf-8"?>
-<ds:datastoreItem xmlns:ds="http://schemas.openxmlformats.org/officeDocument/2006/customXml" ds:itemID="{333EB3F5-6259-44B0-B13D-A0C5B97A2616}">
-  <ds:schemaRefs>
-    <ds:schemaRef ds:uri="http://schemas.microsoft.com/office/2006/metadata/properties"/>
-    <ds:schemaRef ds:uri="http://schemas.microsoft.com/office/infopath/2007/PartnerControls"/>
-  </ds:schemaRefs>
-</ds:datastoreItem>
+<file path=customXml/item2.xml><?xml version="1.0" encoding="utf-8"?>
+<?mso-contentType ?>
+<FormTemplates xmlns="http://schemas.microsoft.com/sharepoint/v3/contenttype/forms">
+  <Display>DocumentLibraryForm</Display>
+  <Edit>DocumentLibraryForm</Edit>
+  <New>DocumentLibraryForm</New>
+</FormTemplates>
 </file>
 
-<file path=customXml/itemProps2.xml><?xml version="1.0" encoding="utf-8"?>
-<ds:datastoreItem xmlns:ds="http://schemas.openxmlformats.org/officeDocument/2006/customXml" ds:itemID="{948203F0-8169-4324-8681-97C12AF2572F}">
-  <ds:schemaRefs>
-    <ds:schemaRef ds:uri="http://schemas.microsoft.com/sharepoint/v3/contenttype/forms"/>
-  </ds:schemaRefs>
-</ds:datastoreItem>
+<file path=customXml/item3.xml><?xml version="1.0" encoding="utf-8"?>
+<p:properties xmlns:p="http://schemas.microsoft.com/office/2006/metadata/properties" xmlns:xsi="http://www.w3.org/2001/XMLSchema-instance" xmlns:pc="http://schemas.microsoft.com/office/infopath/2007/PartnerControls">
+  <documentManagement/>
+</p:properties>
 </file>
 
-<file path=customXml/itemProps3.xml><?xml version="1.0" encoding="utf-8"?>
+<file path=customXml/itemProps1.xml><?xml version="1.0" encoding="utf-8"?>
 <ds:datastoreItem xmlns:ds="http://schemas.openxmlformats.org/officeDocument/2006/customXml" ds:itemID="{A7CF5DF1-197D-41C7-9BA6-7410E1B3276A}">
   <ds:schemaRefs>
     <ds:schemaRef ds:uri="http://schemas.microsoft.com/office/2006/metadata/contentType"/>
@@ -5759,4 +6658,21 @@
     <ds:schemaRef ds:uri="http://schemas.microsoft.com/internal/obd"/>
   </ds:schemaRefs>
 </ds:datastoreItem>
+</file>
+
+<file path=customXml/itemProps2.xml><?xml version="1.0" encoding="utf-8"?>
+<ds:datastoreItem xmlns:ds="http://schemas.openxmlformats.org/officeDocument/2006/customXml" ds:itemID="{948203F0-8169-4324-8681-97C12AF2572F}">
+  <ds:schemaRefs>
+    <ds:schemaRef ds:uri="http://schemas.microsoft.com/sharepoint/v3/contenttype/forms"/>
+  </ds:schemaRefs>
+</ds:datastoreItem>
+</file>
+
+<file path=customXml/itemProps3.xml><?xml version="1.0" encoding="utf-8"?>
+<ds:datastoreItem xmlns:ds="http://schemas.openxmlformats.org/officeDocument/2006/customXml" ds:itemID="{333EB3F5-6259-44B0-B13D-A0C5B97A2616}">
+  <ds:schemaRefs>
+    <ds:schemaRef ds:uri="http://schemas.microsoft.com/office/2006/metadata/properties"/>
+    <ds:schemaRef ds:uri="http://schemas.microsoft.com/office/infopath/2007/PartnerControls"/>
+  </ds:schemaRefs>
+</ds:datastoreItem>
 </file>